--- a/translations/en-us/RobotGame/Navigation.pptx
+++ b/translations/en-us/RobotGame/Navigation.pptx
@@ -224,7 +224,7 @@
           <a:p>
             <a:fld id="{E354B44E-40A3-0E46-B16A-9BF1250A248B}" type="datetimeFigureOut">
               <a:rPr lang="en-US" smtClean="0"/>
-              <a:t>10/27/22</a:t>
+              <a:t>5/29/23</a:t>
             </a:fld>
             <a:endParaRPr lang="en-US"/>
           </a:p>
@@ -390,7 +390,7 @@
           <a:p>
             <a:fld id="{C86AD16C-2DB4-6642-BAD4-9ED973A087A0}" type="datetimeFigureOut">
               <a:rPr lang="en-US" smtClean="0"/>
-              <a:t>10/27/22</a:t>
+              <a:t>5/29/23</a:t>
             </a:fld>
             <a:endParaRPr lang="en-US"/>
           </a:p>
@@ -1017,9 +1017,9 @@
           <a:bodyPr/>
           <a:lstStyle/>
           <a:p>
-            <a:fld id="{F167386C-0CE9-6C4F-A6B0-018C7A30B7F5}" type="datetime1">
+            <a:fld id="{011D475C-EC2C-9F45-AAA7-5586195D5595}" type="datetime1">
               <a:rPr lang="en-US" smtClean="0"/>
-              <a:t>10/27/22</a:t>
+              <a:t>5/29/23</a:t>
             </a:fld>
             <a:endParaRPr lang="en-US"/>
           </a:p>
@@ -1042,7 +1042,7 @@
           <a:p>
             <a:r>
               <a:rPr lang="en-US"/>
-              <a:t>© 2022, FLL Tutorials</a:t>
+              <a:t>© 2023, FLLTutorials.com. Last Edit 5/29/2023</a:t>
             </a:r>
           </a:p>
         </p:txBody>
@@ -1613,9 +1613,9 @@
           <a:bodyPr/>
           <a:lstStyle/>
           <a:p>
-            <a:fld id="{BBC99FE5-5347-FA4F-B418-0975436C5E9D}" type="datetime1">
+            <a:fld id="{916D4E4E-BE22-1641-9208-AC4C91F7D294}" type="datetime1">
               <a:rPr lang="en-US" smtClean="0"/>
-              <a:t>10/27/22</a:t>
+              <a:t>5/29/23</a:t>
             </a:fld>
             <a:endParaRPr lang="en-US"/>
           </a:p>
@@ -1638,7 +1638,7 @@
           <a:p>
             <a:r>
               <a:rPr lang="en-US"/>
-              <a:t>© 2022, FLL Tutorials</a:t>
+              <a:t>© 2023, FLLTutorials.com. Last Edit 5/29/2023</a:t>
             </a:r>
           </a:p>
         </p:txBody>
@@ -1794,9 +1794,9 @@
           <a:bodyPr/>
           <a:lstStyle/>
           <a:p>
-            <a:fld id="{15841E79-A050-9543-9D0E-D111B152628E}" type="datetime1">
+            <a:fld id="{32978A28-7E3B-1A45-8BC1-1BEFD7C10C81}" type="datetime1">
               <a:rPr lang="en-US" smtClean="0"/>
-              <a:t>10/27/22</a:t>
+              <a:t>5/29/23</a:t>
             </a:fld>
             <a:endParaRPr lang="en-US"/>
           </a:p>
@@ -1819,7 +1819,7 @@
           <a:p>
             <a:r>
               <a:rPr lang="en-US"/>
-              <a:t>© 2022, FLL Tutorials</a:t>
+              <a:t>© 2023, FLLTutorials.com. Last Edit 5/29/2023</a:t>
             </a:r>
           </a:p>
         </p:txBody>
@@ -2010,9 +2010,9 @@
           <a:bodyPr/>
           <a:lstStyle/>
           <a:p>
-            <a:fld id="{31273237-8E32-8840-81F7-D1D4802FD807}" type="datetime1">
+            <a:fld id="{903E1EDD-E9E4-864A-BEF5-036207815254}" type="datetime1">
               <a:rPr lang="en-US" smtClean="0"/>
-              <a:t>10/27/22</a:t>
+              <a:t>5/29/23</a:t>
             </a:fld>
             <a:endParaRPr lang="en-US"/>
           </a:p>
@@ -2040,7 +2040,7 @@
           <a:p>
             <a:r>
               <a:rPr lang="en-US"/>
-              <a:t>© 2022, FLL Tutorials</a:t>
+              <a:t>© 2023, FLLTutorials.com. Last Edit 5/29/2023</a:t>
             </a:r>
           </a:p>
         </p:txBody>
@@ -2230,7 +2230,7 @@
           <a:noFill/>
           <a:extLst>
             <a:ext uri="{909E8E84-426E-40dd-AFC4-6F175D3DCCD1}">
-              <a14:hiddenFill xmlns:a14="http://schemas.microsoft.com/office/drawing/2010/main" xmlns="">
+              <a14:hiddenFill xmlns="" xmlns:a14="http://schemas.microsoft.com/office/drawing/2010/main">
                 <a:solidFill>
                   <a:srgbClr val="FFFFFF"/>
                 </a:solidFill>
@@ -2854,9 +2854,9 @@
           <a:bodyPr/>
           <a:lstStyle/>
           <a:p>
-            <a:fld id="{5DE712CD-BE12-7548-8ADE-6DA11DEAC94E}" type="datetime1">
+            <a:fld id="{696A6D50-DB20-214E-B18A-58895EB3D0EA}" type="datetime1">
               <a:rPr lang="en-US" smtClean="0"/>
-              <a:t>10/27/22</a:t>
+              <a:t>5/29/23</a:t>
             </a:fld>
             <a:endParaRPr lang="en-US"/>
           </a:p>
@@ -2879,7 +2879,7 @@
           <a:p>
             <a:r>
               <a:rPr lang="en-US"/>
-              <a:t>© 2022, FLL Tutorials</a:t>
+              <a:t>© 2023, FLLTutorials.com. Last Edit 5/29/2023</a:t>
             </a:r>
           </a:p>
         </p:txBody>
@@ -3119,9 +3119,9 @@
           <a:bodyPr/>
           <a:lstStyle/>
           <a:p>
-            <a:fld id="{A4970C83-88DF-F64A-AEC7-F5895AFDE6A7}" type="datetime1">
+            <a:fld id="{DEF727B1-FA9C-3741-83BB-3AC733BCF1B7}" type="datetime1">
               <a:rPr lang="en-US" smtClean="0"/>
-              <a:t>10/27/22</a:t>
+              <a:t>5/29/23</a:t>
             </a:fld>
             <a:endParaRPr lang="en-US"/>
           </a:p>
@@ -3175,7 +3175,7 @@
           <a:p>
             <a:r>
               <a:rPr lang="en-US"/>
-              <a:t>© 2022, FLL Tutorials</a:t>
+              <a:t>© 2023, FLLTutorials.com. Last Edit 5/29/2023</a:t>
             </a:r>
           </a:p>
         </p:txBody>
@@ -3422,9 +3422,9 @@
           <a:bodyPr/>
           <a:lstStyle/>
           <a:p>
-            <a:fld id="{4E8CF1C7-5F4C-964F-82C2-EA5DFD874E4C}" type="datetime1">
+            <a:fld id="{4D154B87-BCEC-B14F-81D3-0868F8420842}" type="datetime1">
               <a:rPr lang="en-US" smtClean="0"/>
-              <a:t>10/27/22</a:t>
+              <a:t>5/29/23</a:t>
             </a:fld>
             <a:endParaRPr lang="en-US"/>
           </a:p>
@@ -3447,7 +3447,7 @@
           <a:p>
             <a:r>
               <a:rPr lang="en-US"/>
-              <a:t>© 2022, FLL Tutorials</a:t>
+              <a:t>© 2023, FLLTutorials.com. Last Edit 5/29/2023</a:t>
             </a:r>
           </a:p>
         </p:txBody>
@@ -3876,9 +3876,9 @@
           <a:bodyPr/>
           <a:lstStyle/>
           <a:p>
-            <a:fld id="{13A30041-940C-2840-88F8-0CC363F7A2C2}" type="datetime1">
+            <a:fld id="{5BC03F25-B383-7742-8693-63109080896C}" type="datetime1">
               <a:rPr lang="en-US" smtClean="0"/>
-              <a:t>10/27/22</a:t>
+              <a:t>5/29/23</a:t>
             </a:fld>
             <a:endParaRPr lang="en-US"/>
           </a:p>
@@ -3901,7 +3901,7 @@
           <a:p>
             <a:r>
               <a:rPr lang="en-US"/>
-              <a:t>© 2022, FLL Tutorials</a:t>
+              <a:t>© 2023, FLLTutorials.com. Last Edit 5/29/2023</a:t>
             </a:r>
           </a:p>
         </p:txBody>
@@ -4004,9 +4004,9 @@
           <a:bodyPr/>
           <a:lstStyle/>
           <a:p>
-            <a:fld id="{56D106AB-4411-9E43-81C3-A98151E78FBD}" type="datetime1">
+            <a:fld id="{6A3D1F16-B2B8-E542-83CB-392443340698}" type="datetime1">
               <a:rPr lang="en-US" smtClean="0"/>
-              <a:t>10/27/22</a:t>
+              <a:t>5/29/23</a:t>
             </a:fld>
             <a:endParaRPr lang="en-US"/>
           </a:p>
@@ -4029,7 +4029,7 @@
           <a:p>
             <a:r>
               <a:rPr lang="en-US"/>
-              <a:t>© 2022, FLL Tutorials</a:t>
+              <a:t>© 2023, FLLTutorials.com. Last Edit 5/29/2023</a:t>
             </a:r>
           </a:p>
         </p:txBody>
@@ -4110,9 +4110,9 @@
           <a:bodyPr/>
           <a:lstStyle/>
           <a:p>
-            <a:fld id="{90775E5F-A2E4-BF4C-A819-BDB1E115EC1E}" type="datetime1">
+            <a:fld id="{19FD956D-B4F0-CA4D-88EE-8F51E717B321}" type="datetime1">
               <a:rPr lang="en-US" smtClean="0"/>
-              <a:t>10/27/22</a:t>
+              <a:t>5/29/23</a:t>
             </a:fld>
             <a:endParaRPr lang="en-US"/>
           </a:p>
@@ -4135,7 +4135,7 @@
           <a:p>
             <a:r>
               <a:rPr lang="en-US"/>
-              <a:t>© 2022, FLL Tutorials</a:t>
+              <a:t>© 2023, FLLTutorials.com. Last Edit 5/29/2023</a:t>
             </a:r>
           </a:p>
         </p:txBody>
@@ -4368,9 +4368,9 @@
           <a:bodyPr/>
           <a:lstStyle/>
           <a:p>
-            <a:fld id="{ECBB0FBA-1736-D142-A1A1-C925FCE59CB9}" type="datetime1">
+            <a:fld id="{931031D6-4F5C-5742-8C90-9A1A21E0F704}" type="datetime1">
               <a:rPr lang="en-US" smtClean="0"/>
-              <a:t>10/27/22</a:t>
+              <a:t>5/29/23</a:t>
             </a:fld>
             <a:endParaRPr lang="en-US"/>
           </a:p>
@@ -4393,7 +4393,7 @@
           <a:p>
             <a:r>
               <a:rPr lang="en-US"/>
-              <a:t>© 2022, FLL Tutorials</a:t>
+              <a:t>© 2023, FLLTutorials.com. Last Edit 5/29/2023</a:t>
             </a:r>
           </a:p>
         </p:txBody>
@@ -4580,9 +4580,9 @@
           <a:bodyPr/>
           <a:lstStyle/>
           <a:p>
-            <a:fld id="{C726A3DD-05EB-D447-9F7B-B9F25A3E5B8B}" type="datetime1">
+            <a:fld id="{77F2E14C-E11F-AE44-9F4E-2EE92BF6AD8B}" type="datetime1">
               <a:rPr lang="en-US" smtClean="0"/>
-              <a:t>10/27/22</a:t>
+              <a:t>5/29/23</a:t>
             </a:fld>
             <a:endParaRPr lang="en-US"/>
           </a:p>
@@ -4605,7 +4605,7 @@
           <a:p>
             <a:r>
               <a:rPr lang="en-US"/>
-              <a:t>© 2022, FLL Tutorials</a:t>
+              <a:t>© 2023, FLLTutorials.com. Last Edit 5/29/2023</a:t>
             </a:r>
           </a:p>
         </p:txBody>
@@ -4863,9 +4863,9 @@
           <a:bodyPr/>
           <a:lstStyle/>
           <a:p>
-            <a:fld id="{5FF72CAE-7A75-8B41-9450-00668BD30227}" type="datetime1">
+            <a:fld id="{7889C237-7CB7-2149-AFA3-4EB38702CED4}" type="datetime1">
               <a:rPr lang="en-US" smtClean="0"/>
-              <a:t>10/27/22</a:t>
+              <a:t>5/29/23</a:t>
             </a:fld>
             <a:endParaRPr lang="en-US"/>
           </a:p>
@@ -4888,7 +4888,7 @@
           <a:p>
             <a:r>
               <a:rPr lang="en-US"/>
-              <a:t>© 2022, FLL Tutorials</a:t>
+              <a:t>© 2023, FLLTutorials.com. Last Edit 5/29/2023</a:t>
             </a:r>
           </a:p>
         </p:txBody>
@@ -5130,9 +5130,9 @@
           <a:bodyPr/>
           <a:lstStyle/>
           <a:p>
-            <a:fld id="{84D626E0-EF2D-7C41-9851-C6643AE6B44B}" type="datetime1">
+            <a:fld id="{D6217FE3-4A20-2C40-929E-5FFA677336A4}" type="datetime1">
               <a:rPr lang="en-US" smtClean="0"/>
-              <a:t>10/27/22</a:t>
+              <a:t>5/29/23</a:t>
             </a:fld>
             <a:endParaRPr lang="en-US"/>
           </a:p>
@@ -5155,7 +5155,7 @@
           <a:p>
             <a:r>
               <a:rPr lang="en-US"/>
-              <a:t>© 2022, FLL Tutorials</a:t>
+              <a:t>© 2023, FLLTutorials.com. Last Edit 5/29/2023</a:t>
             </a:r>
           </a:p>
         </p:txBody>
@@ -5319,9 +5319,9 @@
           <a:bodyPr/>
           <a:lstStyle/>
           <a:p>
-            <a:fld id="{A439493C-9EB6-CB4D-8944-8C24B7DA19DC}" type="datetime1">
+            <a:fld id="{DAEE0FBD-5E5E-E145-BEC3-90F9A124E8AF}" type="datetime1">
               <a:rPr lang="en-US" smtClean="0"/>
-              <a:t>10/27/22</a:t>
+              <a:t>5/29/23</a:t>
             </a:fld>
             <a:endParaRPr lang="en-US"/>
           </a:p>
@@ -5344,7 +5344,7 @@
           <a:p>
             <a:r>
               <a:rPr lang="en-US"/>
-              <a:t>© 2022, FLL Tutorials</a:t>
+              <a:t>© 2023, FLLTutorials.com. Last Edit 5/29/2023</a:t>
             </a:r>
           </a:p>
         </p:txBody>
@@ -5520,9 +5520,9 @@
           <a:bodyPr/>
           <a:lstStyle/>
           <a:p>
-            <a:fld id="{2012195D-A041-D841-B65F-BB1BE3C681C9}" type="datetime1">
+            <a:fld id="{C035C01B-9C34-E444-9C37-6DABC4A6F056}" type="datetime1">
               <a:rPr lang="en-US" smtClean="0"/>
-              <a:t>10/27/22</a:t>
+              <a:t>5/29/23</a:t>
             </a:fld>
             <a:endParaRPr lang="en-US"/>
           </a:p>
@@ -5545,7 +5545,7 @@
           <a:p>
             <a:r>
               <a:rPr lang="en-US"/>
-              <a:t>© 2022, FLL Tutorials</a:t>
+              <a:t>© 2023, FLLTutorials.com. Last Edit 5/29/2023</a:t>
             </a:r>
           </a:p>
         </p:txBody>
@@ -5691,9 +5691,9 @@
           <a:bodyPr/>
           <a:lstStyle/>
           <a:p>
-            <a:fld id="{B0596168-2C04-2A48-959F-04EB3DB0BC88}" type="datetime1">
+            <a:fld id="{B138421E-E91C-8E45-B609-B3F016109432}" type="datetime1">
               <a:rPr lang="en-US" smtClean="0"/>
-              <a:t>10/27/22</a:t>
+              <a:t>5/29/23</a:t>
             </a:fld>
             <a:endParaRPr lang="en-US"/>
           </a:p>
@@ -5716,7 +5716,7 @@
           <a:p>
             <a:r>
               <a:rPr lang="en-US"/>
-              <a:t>© 2022, FLL Tutorials</a:t>
+              <a:t>© 2023, FLLTutorials.com. Last Edit 5/29/2023</a:t>
             </a:r>
           </a:p>
         </p:txBody>
@@ -5939,9 +5939,9 @@
           <a:bodyPr/>
           <a:lstStyle/>
           <a:p>
-            <a:fld id="{60AEA612-9157-4C4A-A3A0-BD0B217F3BC9}" type="datetime1">
+            <a:fld id="{3FF2F44B-0198-5444-B026-D9AE1A210706}" type="datetime1">
               <a:rPr lang="en-US" smtClean="0"/>
-              <a:t>10/27/22</a:t>
+              <a:t>5/29/23</a:t>
             </a:fld>
             <a:endParaRPr lang="en-US"/>
           </a:p>
@@ -5964,7 +5964,7 @@
           <a:p>
             <a:r>
               <a:rPr lang="en-US"/>
-              <a:t>© 2022, FLL Tutorials</a:t>
+              <a:t>© 2023, FLLTutorials.com. Last Edit 5/29/2023</a:t>
             </a:r>
           </a:p>
         </p:txBody>
@@ -6171,9 +6171,9 @@
           <a:bodyPr/>
           <a:lstStyle/>
           <a:p>
-            <a:fld id="{71B9CAD1-BC09-4F42-A7D0-B104C311FB54}" type="datetime1">
+            <a:fld id="{D337D10B-E02C-554F-AFE8-26A849335B65}" type="datetime1">
               <a:rPr lang="en-US" smtClean="0"/>
-              <a:t>10/27/22</a:t>
+              <a:t>5/29/23</a:t>
             </a:fld>
             <a:endParaRPr lang="en-US"/>
           </a:p>
@@ -6196,7 +6196,7 @@
           <a:p>
             <a:r>
               <a:rPr lang="en-US"/>
-              <a:t>© 2022, FLL Tutorials</a:t>
+              <a:t>© 2023, FLLTutorials.com. Last Edit 5/29/2023</a:t>
             </a:r>
           </a:p>
         </p:txBody>
@@ -6538,9 +6538,9 @@
           <a:bodyPr/>
           <a:lstStyle/>
           <a:p>
-            <a:fld id="{D30CBD73-CBD9-BC47-BB57-1B2B6AAB54BA}" type="datetime1">
+            <a:fld id="{E889B186-DFD9-1B43-965C-88F2EA4E1A70}" type="datetime1">
               <a:rPr lang="en-US" smtClean="0"/>
-              <a:t>10/27/22</a:t>
+              <a:t>5/29/23</a:t>
             </a:fld>
             <a:endParaRPr lang="en-US"/>
           </a:p>
@@ -6563,7 +6563,7 @@
           <a:p>
             <a:r>
               <a:rPr lang="en-US"/>
-              <a:t>© 2022, FLL Tutorials</a:t>
+              <a:t>© 2023, FLLTutorials.com. Last Edit 5/29/2023</a:t>
             </a:r>
           </a:p>
         </p:txBody>
@@ -6658,9 +6658,9 @@
           <a:bodyPr/>
           <a:lstStyle/>
           <a:p>
-            <a:fld id="{E0BCBE27-5CD2-1341-8433-E0624B6BB3A5}" type="datetime1">
+            <a:fld id="{80BDC30D-4344-354B-AD3A-D94D7D2271C3}" type="datetime1">
               <a:rPr lang="en-US" smtClean="0"/>
-              <a:t>10/27/22</a:t>
+              <a:t>5/29/23</a:t>
             </a:fld>
             <a:endParaRPr lang="en-US"/>
           </a:p>
@@ -6683,7 +6683,7 @@
           <a:p>
             <a:r>
               <a:rPr lang="en-US"/>
-              <a:t>© 2022, FLL Tutorials</a:t>
+              <a:t>© 2023, FLLTutorials.com. Last Edit 5/29/2023</a:t>
             </a:r>
           </a:p>
         </p:txBody>
@@ -6756,9 +6756,9 @@
           <a:bodyPr/>
           <a:lstStyle/>
           <a:p>
-            <a:fld id="{2791D59A-FB02-D94E-B0A3-7484AC106CD4}" type="datetime1">
+            <a:fld id="{321C6CB1-8318-7A4A-BBD7-A7383836BEAA}" type="datetime1">
               <a:rPr lang="en-US" smtClean="0"/>
-              <a:t>10/27/22</a:t>
+              <a:t>5/29/23</a:t>
             </a:fld>
             <a:endParaRPr lang="en-US"/>
           </a:p>
@@ -6781,7 +6781,7 @@
           <a:p>
             <a:r>
               <a:rPr lang="en-US"/>
-              <a:t>© 2022, FLL Tutorials</a:t>
+              <a:t>© 2023, FLLTutorials.com. Last Edit 5/29/2023</a:t>
             </a:r>
           </a:p>
         </p:txBody>
@@ -7013,9 +7013,9 @@
           <a:bodyPr/>
           <a:lstStyle/>
           <a:p>
-            <a:fld id="{3C3CBE1C-A5E1-8B44-8BF7-165BECADA14C}" type="datetime1">
+            <a:fld id="{980FA1F8-608C-2D43-B866-E493BBB7B320}" type="datetime1">
               <a:rPr lang="en-US" smtClean="0"/>
-              <a:t>10/27/22</a:t>
+              <a:t>5/29/23</a:t>
             </a:fld>
             <a:endParaRPr lang="en-US"/>
           </a:p>
@@ -7061,7 +7061,7 @@
           <a:p>
             <a:r>
               <a:rPr lang="en-US"/>
-              <a:t>© 2022, FLL Tutorials</a:t>
+              <a:t>© 2023, FLLTutorials.com. Last Edit 5/29/2023</a:t>
             </a:r>
           </a:p>
         </p:txBody>
@@ -7291,9 +7291,9 @@
           <a:bodyPr/>
           <a:lstStyle/>
           <a:p>
-            <a:fld id="{CB03AFD1-4B18-CD4F-9EDE-42E5562A1683}" type="datetime1">
+            <a:fld id="{252572B7-4D13-DF4D-87BD-2B23108ED62C}" type="datetime1">
               <a:rPr lang="en-US" smtClean="0"/>
-              <a:t>10/27/22</a:t>
+              <a:t>5/29/23</a:t>
             </a:fld>
             <a:endParaRPr lang="en-US"/>
           </a:p>
@@ -7316,7 +7316,7 @@
           <a:p>
             <a:r>
               <a:rPr lang="en-US"/>
-              <a:t>© 2022, FLL Tutorials</a:t>
+              <a:t>© 2023, FLLTutorials.com. Last Edit 5/29/2023</a:t>
             </a:r>
           </a:p>
         </p:txBody>
@@ -7549,9 +7549,9 @@
           <a:bodyPr/>
           <a:lstStyle/>
           <a:p>
-            <a:fld id="{2EA212F2-EFF5-B74F-9DD9-3F6FB9846EC9}" type="datetime1">
+            <a:fld id="{D06AFC4B-8E05-A146-9EF4-D3D35242C50E}" type="datetime1">
               <a:rPr lang="en-US" smtClean="0"/>
-              <a:t>10/27/22</a:t>
+              <a:t>5/29/23</a:t>
             </a:fld>
             <a:endParaRPr lang="en-US"/>
           </a:p>
@@ -7574,7 +7574,7 @@
           <a:p>
             <a:r>
               <a:rPr lang="en-US"/>
-              <a:t>© 2022, FLL Tutorials</a:t>
+              <a:t>© 2023, FLLTutorials.com. Last Edit 5/29/2023</a:t>
             </a:r>
           </a:p>
         </p:txBody>
@@ -7720,9 +7720,9 @@
           <a:bodyPr/>
           <a:lstStyle/>
           <a:p>
-            <a:fld id="{4A66BD7E-440B-4B44-BDF0-CB6D6F898F4E}" type="datetime1">
+            <a:fld id="{8B974E44-6CBC-BC4D-95DE-292BBAEEF666}" type="datetime1">
               <a:rPr lang="en-US" smtClean="0"/>
-              <a:t>10/27/22</a:t>
+              <a:t>5/29/23</a:t>
             </a:fld>
             <a:endParaRPr lang="en-US"/>
           </a:p>
@@ -7745,7 +7745,7 @@
           <a:p>
             <a:r>
               <a:rPr lang="en-US"/>
-              <a:t>© 2022, FLL Tutorials</a:t>
+              <a:t>© 2023, FLLTutorials.com. Last Edit 5/29/2023</a:t>
             </a:r>
           </a:p>
         </p:txBody>
@@ -7901,9 +7901,9 @@
           <a:bodyPr/>
           <a:lstStyle/>
           <a:p>
-            <a:fld id="{8CF5EF00-6F89-D443-9F5B-FBD6B0CEBD3C}" type="datetime1">
+            <a:fld id="{01540506-1CB5-424A-A7D1-1943D6ECF0D0}" type="datetime1">
               <a:rPr lang="en-US" smtClean="0"/>
-              <a:t>10/27/22</a:t>
+              <a:t>5/29/23</a:t>
             </a:fld>
             <a:endParaRPr lang="en-US"/>
           </a:p>
@@ -7926,7 +7926,7 @@
           <a:p>
             <a:r>
               <a:rPr lang="en-US"/>
-              <a:t>© 2022, FLL Tutorials</a:t>
+              <a:t>© 2023, FLLTutorials.com. Last Edit 5/29/2023</a:t>
             </a:r>
           </a:p>
         </p:txBody>
@@ -8158,9 +8158,9 @@
           <a:bodyPr/>
           <a:lstStyle/>
           <a:p>
-            <a:fld id="{DBC04251-CBAB-C34C-8458-1618B352C051}" type="datetime1">
+            <a:fld id="{5458F3A8-49BE-A940-A8B5-7B7CAEEAD285}" type="datetime1">
               <a:rPr lang="en-US" smtClean="0"/>
-              <a:t>10/27/22</a:t>
+              <a:t>5/29/23</a:t>
             </a:fld>
             <a:endParaRPr lang="en-US"/>
           </a:p>
@@ -8183,7 +8183,7 @@
           <a:p>
             <a:r>
               <a:rPr lang="en-US"/>
-              <a:t>© 2022, FLL Tutorials</a:t>
+              <a:t>© 2023, FLLTutorials.com. Last Edit 5/29/2023</a:t>
             </a:r>
           </a:p>
         </p:txBody>
@@ -9182,9 +9182,9 @@
           <a:bodyPr/>
           <a:lstStyle/>
           <a:p>
-            <a:fld id="{DE8BA823-A2D3-FF43-B81B-9FDF12397860}" type="datetime1">
+            <a:fld id="{831E4469-717E-9A43-A0E9-F1382A1FBC2D}" type="datetime1">
               <a:rPr lang="en-US" smtClean="0"/>
-              <a:t>10/27/22</a:t>
+              <a:t>5/29/23</a:t>
             </a:fld>
             <a:endParaRPr lang="en-US"/>
           </a:p>
@@ -9207,7 +9207,7 @@
           <a:p>
             <a:r>
               <a:rPr lang="en-US"/>
-              <a:t>© 2022, FLL Tutorials</a:t>
+              <a:t>© 2023, FLLTutorials.com. Last Edit 5/29/2023</a:t>
             </a:r>
           </a:p>
         </p:txBody>
@@ -9444,9 +9444,9 @@
           <a:bodyPr/>
           <a:lstStyle/>
           <a:p>
-            <a:fld id="{5871D939-E940-BD43-A31A-9AF9F93CEDC9}" type="datetime1">
+            <a:fld id="{345814C4-B59E-CC44-9C0F-B02A1AF3564A}" type="datetime1">
               <a:rPr lang="en-US" smtClean="0"/>
-              <a:t>10/27/22</a:t>
+              <a:t>5/29/23</a:t>
             </a:fld>
             <a:endParaRPr lang="en-US"/>
           </a:p>
@@ -9492,7 +9492,7 @@
           <a:p>
             <a:r>
               <a:rPr lang="en-US"/>
-              <a:t>© 2022, FLL Tutorials</a:t>
+              <a:t>© 2023, FLLTutorials.com. Last Edit 5/29/2023</a:t>
             </a:r>
           </a:p>
         </p:txBody>
@@ -9739,9 +9739,9 @@
           <a:bodyPr/>
           <a:lstStyle/>
           <a:p>
-            <a:fld id="{BADE33DB-5CFE-6241-AF19-30EEB1E4CCDC}" type="datetime1">
+            <a:fld id="{C15277FA-CFF9-4444-A363-7908D2E1EDC9}" type="datetime1">
               <a:rPr lang="en-US" smtClean="0"/>
-              <a:t>10/27/22</a:t>
+              <a:t>5/29/23</a:t>
             </a:fld>
             <a:endParaRPr lang="en-US"/>
           </a:p>
@@ -9764,7 +9764,7 @@
           <a:p>
             <a:r>
               <a:rPr lang="en-US"/>
-              <a:t>© 2022, FLL Tutorials</a:t>
+              <a:t>© 2023, FLLTutorials.com. Last Edit 5/29/2023</a:t>
             </a:r>
           </a:p>
         </p:txBody>
@@ -10185,9 +10185,9 @@
           <a:bodyPr/>
           <a:lstStyle/>
           <a:p>
-            <a:fld id="{70324F73-256A-024F-B156-62E06AA9878C}" type="datetime1">
+            <a:fld id="{773374D2-C517-B447-BD35-869D3BFBFC6C}" type="datetime1">
               <a:rPr lang="en-US" smtClean="0"/>
-              <a:t>10/27/22</a:t>
+              <a:t>5/29/23</a:t>
             </a:fld>
             <a:endParaRPr lang="en-US"/>
           </a:p>
@@ -10210,7 +10210,7 @@
           <a:p>
             <a:r>
               <a:rPr lang="en-US"/>
-              <a:t>© 2022, FLL Tutorials</a:t>
+              <a:t>© 2023, FLLTutorials.com. Last Edit 5/29/2023</a:t>
             </a:r>
           </a:p>
         </p:txBody>
@@ -10305,9 +10305,9 @@
           <a:bodyPr/>
           <a:lstStyle/>
           <a:p>
-            <a:fld id="{A6B5135A-4312-5048-A1E1-CFA0391AF65C}" type="datetime1">
+            <a:fld id="{A4237379-D7CB-4E40-BD6D-7255A7AF8B33}" type="datetime1">
               <a:rPr lang="en-US" smtClean="0"/>
-              <a:t>10/27/22</a:t>
+              <a:t>5/29/23</a:t>
             </a:fld>
             <a:endParaRPr lang="en-US"/>
           </a:p>
@@ -10330,7 +10330,7 @@
           <a:p>
             <a:r>
               <a:rPr lang="en-US"/>
-              <a:t>© 2022, FLL Tutorials</a:t>
+              <a:t>© 2023, FLLTutorials.com. Last Edit 5/29/2023</a:t>
             </a:r>
           </a:p>
         </p:txBody>
@@ -10599,9 +10599,9 @@
           <a:bodyPr/>
           <a:lstStyle/>
           <a:p>
-            <a:fld id="{DFAD980D-97A3-384C-8871-3B7F28737B72}" type="datetime1">
+            <a:fld id="{20816927-A87F-D448-AA07-372863E4C2A1}" type="datetime1">
               <a:rPr lang="en-US" smtClean="0"/>
-              <a:t>10/27/22</a:t>
+              <a:t>5/29/23</a:t>
             </a:fld>
             <a:endParaRPr lang="en-US"/>
           </a:p>
@@ -10624,7 +10624,7 @@
           <a:p>
             <a:r>
               <a:rPr lang="en-US"/>
-              <a:t>© 2022, FLL Tutorials</a:t>
+              <a:t>© 2023, FLLTutorials.com. Last Edit 5/29/2023</a:t>
             </a:r>
           </a:p>
         </p:txBody>
@@ -10697,9 +10697,9 @@
           <a:bodyPr/>
           <a:lstStyle/>
           <a:p>
-            <a:fld id="{DC11B9AB-22AA-C048-B64F-FBE4B107D31A}" type="datetime1">
+            <a:fld id="{5AAB17C8-1FA7-C541-9E0B-A84EAF1B59B2}" type="datetime1">
               <a:rPr lang="en-US" smtClean="0"/>
-              <a:t>10/27/22</a:t>
+              <a:t>5/29/23</a:t>
             </a:fld>
             <a:endParaRPr lang="en-US"/>
           </a:p>
@@ -10722,7 +10722,7 @@
           <a:p>
             <a:r>
               <a:rPr lang="en-US"/>
-              <a:t>© 2022, FLL Tutorials</a:t>
+              <a:t>© 2023, FLLTutorials.com. Last Edit 5/29/2023</a:t>
             </a:r>
           </a:p>
         </p:txBody>
@@ -10947,9 +10947,9 @@
           <a:bodyPr/>
           <a:lstStyle/>
           <a:p>
-            <a:fld id="{222297BD-C1EA-974E-8D82-286579B0574E}" type="datetime1">
+            <a:fld id="{391C12FC-A888-E147-80F6-3303B58444F5}" type="datetime1">
               <a:rPr lang="en-US" smtClean="0"/>
-              <a:t>10/27/22</a:t>
+              <a:t>5/29/23</a:t>
             </a:fld>
             <a:endParaRPr lang="en-US"/>
           </a:p>
@@ -10972,7 +10972,7 @@
           <a:p>
             <a:r>
               <a:rPr lang="en-US"/>
-              <a:t>© 2022, FLL Tutorials</a:t>
+              <a:t>© 2023, FLLTutorials.com. Last Edit 5/29/2023</a:t>
             </a:r>
           </a:p>
         </p:txBody>
@@ -11247,9 +11247,9 @@
           <a:bodyPr/>
           <a:lstStyle/>
           <a:p>
-            <a:fld id="{E677FF1A-DB93-3545-BF56-5F06E785308B}" type="datetime1">
+            <a:fld id="{58E0CC25-9DD4-A74D-A7FA-20359E928F7A}" type="datetime1">
               <a:rPr lang="en-US" smtClean="0"/>
-              <a:t>10/27/22</a:t>
+              <a:t>5/29/23</a:t>
             </a:fld>
             <a:endParaRPr lang="en-US"/>
           </a:p>
@@ -11272,7 +11272,7 @@
           <a:p>
             <a:r>
               <a:rPr lang="en-US"/>
-              <a:t>© 2022, FLL Tutorials</a:t>
+              <a:t>© 2023, FLLTutorials.com. Last Edit 5/29/2023</a:t>
             </a:r>
           </a:p>
         </p:txBody>
@@ -11506,9 +11506,9 @@
           <a:bodyPr/>
           <a:lstStyle/>
           <a:p>
-            <a:fld id="{86FB83D0-464F-5449-B6B0-3C268E602DB5}" type="datetime1">
+            <a:fld id="{3D2286DC-02C6-114E-A68A-BA1B2DAFCEE1}" type="datetime1">
               <a:rPr lang="en-US" smtClean="0"/>
-              <a:t>10/27/22</a:t>
+              <a:t>5/29/23</a:t>
             </a:fld>
             <a:endParaRPr lang="en-US"/>
           </a:p>
@@ -11531,7 +11531,7 @@
           <a:p>
             <a:r>
               <a:rPr lang="en-US"/>
-              <a:t>© 2022, FLL Tutorials</a:t>
+              <a:t>© 2023, FLLTutorials.com. Last Edit 5/29/2023</a:t>
             </a:r>
           </a:p>
         </p:txBody>
@@ -11687,9 +11687,9 @@
           <a:bodyPr/>
           <a:lstStyle/>
           <a:p>
-            <a:fld id="{E6B88CAC-D150-9B4B-9D8F-D8AC5BB42696}" type="datetime1">
+            <a:fld id="{E648EE4E-7AF5-6C4D-B16E-6FB8DD97AAF1}" type="datetime1">
               <a:rPr lang="en-US" smtClean="0"/>
-              <a:t>10/27/22</a:t>
+              <a:t>5/29/23</a:t>
             </a:fld>
             <a:endParaRPr lang="en-US"/>
           </a:p>
@@ -11712,7 +11712,7 @@
           <a:p>
             <a:r>
               <a:rPr lang="en-US"/>
-              <a:t>© 2022, FLL Tutorials</a:t>
+              <a:t>© 2023, FLLTutorials.com. Last Edit 5/29/2023</a:t>
             </a:r>
           </a:p>
         </p:txBody>
@@ -11903,9 +11903,9 @@
           <a:bodyPr/>
           <a:lstStyle/>
           <a:p>
-            <a:fld id="{142C0E49-8AF8-F249-8F6F-6AE69ACB6A79}" type="datetime1">
+            <a:fld id="{C47201A8-7E69-2641-99AF-65C322281F29}" type="datetime1">
               <a:rPr lang="en-US" smtClean="0"/>
-              <a:t>10/27/22</a:t>
+              <a:t>5/29/23</a:t>
             </a:fld>
             <a:endParaRPr lang="en-US"/>
           </a:p>
@@ -11933,7 +11933,7 @@
           <a:p>
             <a:r>
               <a:rPr lang="en-US"/>
-              <a:t>© 2022, FLL Tutorials</a:t>
+              <a:t>© 2023, FLLTutorials.com. Last Edit 5/29/2023</a:t>
             </a:r>
           </a:p>
         </p:txBody>
@@ -13159,9 +13159,9 @@
           <a:bodyPr/>
           <a:lstStyle/>
           <a:p>
-            <a:fld id="{4B9ABCF1-7F1B-5C49-BE0D-72B66CF6D5F6}" type="datetime1">
+            <a:fld id="{8EC8FC16-69B4-8C45-9F59-16E32B6EB52F}" type="datetime1">
               <a:rPr lang="en-US" smtClean="0"/>
-              <a:t>10/27/22</a:t>
+              <a:t>5/29/23</a:t>
             </a:fld>
             <a:endParaRPr lang="en-US"/>
           </a:p>
@@ -13184,7 +13184,7 @@
           <a:p>
             <a:r>
               <a:rPr lang="en-US"/>
-              <a:t>© 2022, FLL Tutorials</a:t>
+              <a:t>© 2023, FLLTutorials.com. Last Edit 5/29/2023</a:t>
             </a:r>
           </a:p>
         </p:txBody>
@@ -13424,9 +13424,9 @@
           <a:bodyPr/>
           <a:lstStyle/>
           <a:p>
-            <a:fld id="{8FC524EC-19A4-CE43-81B5-E3BD4EDCFEB0}" type="datetime1">
+            <a:fld id="{E127FA97-BDE8-784C-8DC0-4ED2BDDED91F}" type="datetime1">
               <a:rPr lang="en-US" smtClean="0"/>
-              <a:t>10/27/22</a:t>
+              <a:t>5/29/23</a:t>
             </a:fld>
             <a:endParaRPr lang="en-US"/>
           </a:p>
@@ -13480,7 +13480,7 @@
           <a:p>
             <a:r>
               <a:rPr lang="en-US"/>
-              <a:t>© 2022, FLL Tutorials</a:t>
+              <a:t>© 2023, FLLTutorials.com. Last Edit 5/29/2023</a:t>
             </a:r>
           </a:p>
         </p:txBody>
@@ -13727,9 +13727,9 @@
           <a:bodyPr/>
           <a:lstStyle/>
           <a:p>
-            <a:fld id="{D59C2891-0AED-CC43-9494-6D70A37E1161}" type="datetime1">
+            <a:fld id="{BA497F05-B299-C342-8D92-24CBB8832254}" type="datetime1">
               <a:rPr lang="en-US" smtClean="0"/>
-              <a:t>10/27/22</a:t>
+              <a:t>5/29/23</a:t>
             </a:fld>
             <a:endParaRPr lang="en-US"/>
           </a:p>
@@ -13752,7 +13752,7 @@
           <a:p>
             <a:r>
               <a:rPr lang="en-US"/>
-              <a:t>© 2022, FLL Tutorials</a:t>
+              <a:t>© 2023, FLLTutorials.com. Last Edit 5/29/2023</a:t>
             </a:r>
           </a:p>
         </p:txBody>
@@ -14181,9 +14181,9 @@
           <a:bodyPr/>
           <a:lstStyle/>
           <a:p>
-            <a:fld id="{14926457-ED4B-5D4B-8472-8DCCCB84F477}" type="datetime1">
+            <a:fld id="{37289406-9DF3-064E-B5A9-FD0AD44637DD}" type="datetime1">
               <a:rPr lang="en-US" smtClean="0"/>
-              <a:t>10/27/22</a:t>
+              <a:t>5/29/23</a:t>
             </a:fld>
             <a:endParaRPr lang="en-US"/>
           </a:p>
@@ -14206,7 +14206,7 @@
           <a:p>
             <a:r>
               <a:rPr lang="en-US"/>
-              <a:t>© 2022, FLL Tutorials</a:t>
+              <a:t>© 2023, FLLTutorials.com. Last Edit 5/29/2023</a:t>
             </a:r>
           </a:p>
         </p:txBody>
@@ -14635,9 +14635,9 @@
           <a:bodyPr/>
           <a:lstStyle/>
           <a:p>
-            <a:fld id="{31C49D50-C110-904E-88B4-05E9C439C7F9}" type="datetime1">
+            <a:fld id="{FC4C46C5-CC2B-0244-9007-D81E72E82CD7}" type="datetime1">
               <a:rPr lang="en-US" smtClean="0"/>
-              <a:t>10/27/22</a:t>
+              <a:t>5/29/23</a:t>
             </a:fld>
             <a:endParaRPr lang="en-US"/>
           </a:p>
@@ -14660,7 +14660,7 @@
           <a:p>
             <a:r>
               <a:rPr lang="en-US"/>
-              <a:t>© 2022, FLL Tutorials</a:t>
+              <a:t>© 2023, FLLTutorials.com. Last Edit 5/29/2023</a:t>
             </a:r>
           </a:p>
         </p:txBody>
@@ -14755,9 +14755,9 @@
           <a:bodyPr/>
           <a:lstStyle/>
           <a:p>
-            <a:fld id="{54E318DC-DF65-324F-B139-77049895A54B}" type="datetime1">
+            <a:fld id="{A589B547-F57E-3542-A012-1AA628F1CD71}" type="datetime1">
               <a:rPr lang="en-US" smtClean="0"/>
-              <a:t>10/27/22</a:t>
+              <a:t>5/29/23</a:t>
             </a:fld>
             <a:endParaRPr lang="en-US"/>
           </a:p>
@@ -14780,7 +14780,7 @@
           <a:p>
             <a:r>
               <a:rPr lang="en-US"/>
-              <a:t>© 2022, FLL Tutorials</a:t>
+              <a:t>© 2023, FLLTutorials.com. Last Edit 5/29/2023</a:t>
             </a:r>
           </a:p>
         </p:txBody>
@@ -14861,9 +14861,9 @@
           <a:bodyPr/>
           <a:lstStyle/>
           <a:p>
-            <a:fld id="{398ADB86-619E-DD45-9DFC-6ED171B71D57}" type="datetime1">
+            <a:fld id="{70AFEB2E-E585-884B-8490-7FC72D9619CA}" type="datetime1">
               <a:rPr lang="en-US" smtClean="0"/>
-              <a:t>10/27/22</a:t>
+              <a:t>5/29/23</a:t>
             </a:fld>
             <a:endParaRPr lang="en-US"/>
           </a:p>
@@ -14886,7 +14886,7 @@
           <a:p>
             <a:r>
               <a:rPr lang="en-US"/>
-              <a:t>© 2022, FLL Tutorials</a:t>
+              <a:t>© 2023, FLLTutorials.com. Last Edit 5/29/2023</a:t>
             </a:r>
           </a:p>
         </p:txBody>
@@ -15119,9 +15119,9 @@
           <a:bodyPr/>
           <a:lstStyle/>
           <a:p>
-            <a:fld id="{DC0BA8DF-A65C-9F4E-8438-EEE235813D4C}" type="datetime1">
+            <a:fld id="{CEC9FD66-7F95-FB43-9456-0C66CBD5E9FD}" type="datetime1">
               <a:rPr lang="en-US" smtClean="0"/>
-              <a:t>10/27/22</a:t>
+              <a:t>5/29/23</a:t>
             </a:fld>
             <a:endParaRPr lang="en-US"/>
           </a:p>
@@ -15144,7 +15144,7 @@
           <a:p>
             <a:r>
               <a:rPr lang="en-US"/>
-              <a:t>© 2022, FLL Tutorials</a:t>
+              <a:t>© 2023, FLLTutorials.com. Last Edit 5/29/2023</a:t>
             </a:r>
           </a:p>
         </p:txBody>
@@ -15427,9 +15427,9 @@
           <a:bodyPr/>
           <a:lstStyle/>
           <a:p>
-            <a:fld id="{0896DAB2-C4F9-BA49-A0E6-9A9EDE710DDE}" type="datetime1">
+            <a:fld id="{27D62578-F985-B74A-A3F7-85494316C0DD}" type="datetime1">
               <a:rPr lang="en-US" smtClean="0"/>
-              <a:t>10/27/22</a:t>
+              <a:t>5/29/23</a:t>
             </a:fld>
             <a:endParaRPr lang="en-US"/>
           </a:p>
@@ -15452,7 +15452,7 @@
           <a:p>
             <a:r>
               <a:rPr lang="en-US"/>
-              <a:t>© 2022, FLL Tutorials</a:t>
+              <a:t>© 2023, FLLTutorials.com. Last Edit 5/29/2023</a:t>
             </a:r>
           </a:p>
         </p:txBody>
@@ -15694,9 +15694,9 @@
           <a:bodyPr/>
           <a:lstStyle/>
           <a:p>
-            <a:fld id="{EFF0C2ED-8512-A54F-BA5D-191A5AA4CA4A}" type="datetime1">
+            <a:fld id="{5B011383-A90A-AE47-B36E-05550E5DCFE5}" type="datetime1">
               <a:rPr lang="en-US" smtClean="0"/>
-              <a:t>10/27/22</a:t>
+              <a:t>5/29/23</a:t>
             </a:fld>
             <a:endParaRPr lang="en-US"/>
           </a:p>
@@ -15719,7 +15719,7 @@
           <a:p>
             <a:r>
               <a:rPr lang="en-US"/>
-              <a:t>© 2022, FLL Tutorials</a:t>
+              <a:t>© 2023, FLLTutorials.com. Last Edit 5/29/2023</a:t>
             </a:r>
           </a:p>
         </p:txBody>
@@ -15883,9 +15883,9 @@
           <a:bodyPr/>
           <a:lstStyle/>
           <a:p>
-            <a:fld id="{2F3E39F4-0AD3-304C-85DE-37D257769C70}" type="datetime1">
+            <a:fld id="{AAABE3E4-4C15-6E4E-9A1D-F5770FE026CE}" type="datetime1">
               <a:rPr lang="en-US" smtClean="0"/>
-              <a:t>10/27/22</a:t>
+              <a:t>5/29/23</a:t>
             </a:fld>
             <a:endParaRPr lang="en-US"/>
           </a:p>
@@ -15908,7 +15908,7 @@
           <a:p>
             <a:r>
               <a:rPr lang="en-US"/>
-              <a:t>© 2022, FLL Tutorials</a:t>
+              <a:t>© 2023, FLLTutorials.com. Last Edit 5/29/2023</a:t>
             </a:r>
           </a:p>
         </p:txBody>
@@ -16084,9 +16084,9 @@
           <a:bodyPr/>
           <a:lstStyle/>
           <a:p>
-            <a:fld id="{D66843FA-2001-5443-8B23-8594C47243A4}" type="datetime1">
+            <a:fld id="{5B07C982-7C8E-0849-B271-A074A52C5DAA}" type="datetime1">
               <a:rPr lang="en-US" smtClean="0"/>
-              <a:t>10/27/22</a:t>
+              <a:t>5/29/23</a:t>
             </a:fld>
             <a:endParaRPr lang="en-US"/>
           </a:p>
@@ -16109,7 +16109,7 @@
           <a:p>
             <a:r>
               <a:rPr lang="en-US"/>
-              <a:t>© 2022, FLL Tutorials</a:t>
+              <a:t>© 2023, FLLTutorials.com. Last Edit 5/29/2023</a:t>
             </a:r>
           </a:p>
         </p:txBody>
@@ -16255,9 +16255,9 @@
           <a:bodyPr/>
           <a:lstStyle/>
           <a:p>
-            <a:fld id="{7118D5AD-EC32-044D-8DED-4E5C715EF9A2}" type="datetime1">
+            <a:fld id="{85E8B71A-5B6D-6E4A-8128-05E116939CBB}" type="datetime1">
               <a:rPr lang="en-US" smtClean="0"/>
-              <a:t>10/27/22</a:t>
+              <a:t>5/29/23</a:t>
             </a:fld>
             <a:endParaRPr lang="en-US"/>
           </a:p>
@@ -16280,7 +16280,7 @@
           <a:p>
             <a:r>
               <a:rPr lang="en-US"/>
-              <a:t>© 2022, FLL Tutorials</a:t>
+              <a:t>© 2023, FLLTutorials.com. Last Edit 5/29/2023</a:t>
             </a:r>
           </a:p>
         </p:txBody>
@@ -16503,9 +16503,9 @@
           <a:bodyPr/>
           <a:lstStyle/>
           <a:p>
-            <a:fld id="{1F6DA117-E61C-BA43-9432-571DDB29AA86}" type="datetime1">
+            <a:fld id="{24AB3310-F784-DF4C-B134-ECB80D37F0B7}" type="datetime1">
               <a:rPr lang="en-US" smtClean="0"/>
-              <a:t>10/27/22</a:t>
+              <a:t>5/29/23</a:t>
             </a:fld>
             <a:endParaRPr lang="en-US"/>
           </a:p>
@@ -16528,7 +16528,7 @@
           <a:p>
             <a:r>
               <a:rPr lang="en-US"/>
-              <a:t>© 2022, FLL Tutorials</a:t>
+              <a:t>© 2023, FLLTutorials.com. Last Edit 5/29/2023</a:t>
             </a:r>
           </a:p>
         </p:txBody>
@@ -16735,9 +16735,9 @@
           <a:bodyPr/>
           <a:lstStyle/>
           <a:p>
-            <a:fld id="{CDBFB605-5D2E-8D47-B33E-EA0FDEB89C9B}" type="datetime1">
+            <a:fld id="{AEDF481D-F5EF-164F-ADFE-2D12271A3B1B}" type="datetime1">
               <a:rPr lang="en-US" smtClean="0"/>
-              <a:t>10/27/22</a:t>
+              <a:t>5/29/23</a:t>
             </a:fld>
             <a:endParaRPr lang="en-US"/>
           </a:p>
@@ -16760,7 +16760,7 @@
           <a:p>
             <a:r>
               <a:rPr lang="en-US"/>
-              <a:t>© 2022, FLL Tutorials</a:t>
+              <a:t>© 2023, FLLTutorials.com. Last Edit 5/29/2023</a:t>
             </a:r>
           </a:p>
         </p:txBody>
@@ -16855,9 +16855,9 @@
           <a:bodyPr/>
           <a:lstStyle/>
           <a:p>
-            <a:fld id="{1AA21551-0680-3D43-AE4E-FB1C91439800}" type="datetime1">
+            <a:fld id="{4C1C3BD2-8E01-6E47-B2B4-1B75526BB7E1}" type="datetime1">
               <a:rPr lang="en-US" smtClean="0"/>
-              <a:t>10/27/22</a:t>
+              <a:t>5/29/23</a:t>
             </a:fld>
             <a:endParaRPr lang="en-US"/>
           </a:p>
@@ -16880,7 +16880,7 @@
           <a:p>
             <a:r>
               <a:rPr lang="en-US"/>
-              <a:t>© 2022, FLL Tutorials</a:t>
+              <a:t>© 2023, FLLTutorials.com. Last Edit 5/29/2023</a:t>
             </a:r>
           </a:p>
         </p:txBody>
@@ -17222,9 +17222,9 @@
           <a:bodyPr/>
           <a:lstStyle/>
           <a:p>
-            <a:fld id="{381C72E4-ACB5-1A41-9384-CB5174E45F81}" type="datetime1">
+            <a:fld id="{68D4C1A3-CF4D-6D4C-81A6-019F86DE0567}" type="datetime1">
               <a:rPr lang="en-US" smtClean="0"/>
-              <a:t>10/27/22</a:t>
+              <a:t>5/29/23</a:t>
             </a:fld>
             <a:endParaRPr lang="en-US"/>
           </a:p>
@@ -17247,7 +17247,7 @@
           <a:p>
             <a:r>
               <a:rPr lang="en-US"/>
-              <a:t>© 2022, FLL Tutorials</a:t>
+              <a:t>© 2023, FLLTutorials.com. Last Edit 5/29/2023</a:t>
             </a:r>
           </a:p>
         </p:txBody>
@@ -17342,9 +17342,9 @@
           <a:bodyPr/>
           <a:lstStyle/>
           <a:p>
-            <a:fld id="{92C2412D-414B-F54E-A342-106C94AECCEE}" type="datetime1">
+            <a:fld id="{7AE81DCE-4C2B-D64B-B8D3-EA5B5382F6BC}" type="datetime1">
               <a:rPr lang="en-US" smtClean="0"/>
-              <a:t>10/27/22</a:t>
+              <a:t>5/29/23</a:t>
             </a:fld>
             <a:endParaRPr lang="en-US"/>
           </a:p>
@@ -17367,7 +17367,7 @@
           <a:p>
             <a:r>
               <a:rPr lang="en-US"/>
-              <a:t>© 2022, FLL Tutorials</a:t>
+              <a:t>© 2023, FLLTutorials.com. Last Edit 5/29/2023</a:t>
             </a:r>
           </a:p>
         </p:txBody>
@@ -17440,9 +17440,9 @@
           <a:bodyPr/>
           <a:lstStyle/>
           <a:p>
-            <a:fld id="{8951D509-FED8-0A49-867C-3C8D939D7546}" type="datetime1">
+            <a:fld id="{D955BD47-6215-8246-A88F-C9605068EAB3}" type="datetime1">
               <a:rPr lang="en-US" smtClean="0"/>
-              <a:t>10/27/22</a:t>
+              <a:t>5/29/23</a:t>
             </a:fld>
             <a:endParaRPr lang="en-US"/>
           </a:p>
@@ -17465,7 +17465,7 @@
           <a:p>
             <a:r>
               <a:rPr lang="en-US"/>
-              <a:t>© 2022, FLL Tutorials</a:t>
+              <a:t>© 2023, FLLTutorials.com. Last Edit 5/29/2023</a:t>
             </a:r>
           </a:p>
         </p:txBody>
@@ -17718,9 +17718,9 @@
           <a:bodyPr/>
           <a:lstStyle/>
           <a:p>
-            <a:fld id="{13B887C0-46FB-7942-84F8-E1E1BCB32374}" type="datetime1">
+            <a:fld id="{04D37154-C220-D74A-B29B-4E427C62CC6B}" type="datetime1">
               <a:rPr lang="en-US" smtClean="0"/>
-              <a:t>10/27/22</a:t>
+              <a:t>5/29/23</a:t>
             </a:fld>
             <a:endParaRPr lang="en-US"/>
           </a:p>
@@ -17743,7 +17743,7 @@
           <a:p>
             <a:r>
               <a:rPr lang="en-US"/>
-              <a:t>© 2022, FLL Tutorials</a:t>
+              <a:t>© 2023, FLLTutorials.com. Last Edit 5/29/2023</a:t>
             </a:r>
           </a:p>
         </p:txBody>
@@ -17976,9 +17976,9 @@
           <a:bodyPr/>
           <a:lstStyle/>
           <a:p>
-            <a:fld id="{D1ED1A0A-8EE3-2849-94AC-DF099431A6E1}" type="datetime1">
+            <a:fld id="{8EC13436-90D5-634F-9A81-44477E09DE54}" type="datetime1">
               <a:rPr lang="en-US" smtClean="0"/>
-              <a:t>10/27/22</a:t>
+              <a:t>5/29/23</a:t>
             </a:fld>
             <a:endParaRPr lang="en-US"/>
           </a:p>
@@ -18001,7 +18001,7 @@
           <a:p>
             <a:r>
               <a:rPr lang="en-US"/>
-              <a:t>© 2022, FLL Tutorials</a:t>
+              <a:t>© 2023, FLLTutorials.com. Last Edit 5/29/2023</a:t>
             </a:r>
           </a:p>
         </p:txBody>
@@ -18147,9 +18147,9 @@
           <a:bodyPr/>
           <a:lstStyle/>
           <a:p>
-            <a:fld id="{799DE77F-5F0A-A641-A484-589ED1C1392D}" type="datetime1">
+            <a:fld id="{CA3F03A7-4500-E346-82D5-61BC90110301}" type="datetime1">
               <a:rPr lang="en-US" smtClean="0"/>
-              <a:t>10/27/22</a:t>
+              <a:t>5/29/23</a:t>
             </a:fld>
             <a:endParaRPr lang="en-US"/>
           </a:p>
@@ -18172,7 +18172,7 @@
           <a:p>
             <a:r>
               <a:rPr lang="en-US"/>
-              <a:t>© 2022, FLL Tutorials</a:t>
+              <a:t>© 2023, FLLTutorials.com. Last Edit 5/29/2023</a:t>
             </a:r>
           </a:p>
         </p:txBody>
@@ -18328,9 +18328,9 @@
           <a:bodyPr/>
           <a:lstStyle/>
           <a:p>
-            <a:fld id="{45D338E6-BF05-3040-905D-BF969CAE24CB}" type="datetime1">
+            <a:fld id="{A2BD9E4C-468F-4942-8F1E-CBD4BCADB278}" type="datetime1">
               <a:rPr lang="en-US" smtClean="0"/>
-              <a:t>10/27/22</a:t>
+              <a:t>5/29/23</a:t>
             </a:fld>
             <a:endParaRPr lang="en-US"/>
           </a:p>
@@ -18353,7 +18353,7 @@
           <a:p>
             <a:r>
               <a:rPr lang="en-US"/>
-              <a:t>© 2022, FLL Tutorials</a:t>
+              <a:t>© 2023, FLLTutorials.com. Last Edit 5/29/2023</a:t>
             </a:r>
           </a:p>
         </p:txBody>
@@ -18645,9 +18645,9 @@
             </a:lvl1pPr>
           </a:lstStyle>
           <a:p>
-            <a:fld id="{F621310A-D8CB-E848-9C67-B25A25C425A5}" type="datetime1">
+            <a:fld id="{B1252FDD-085C-9241-9664-C30CE7DFFEAA}" type="datetime1">
               <a:rPr lang="en-US" smtClean="0"/>
-              <a:t>10/27/22</a:t>
+              <a:t>5/29/23</a:t>
             </a:fld>
             <a:endParaRPr lang="en-US"/>
           </a:p>
@@ -18689,7 +18689,7 @@
           <a:p>
             <a:r>
               <a:rPr lang="en-US"/>
-              <a:t>© 2022, FLL Tutorials</a:t>
+              <a:t>© 2023, FLLTutorials.com. Last Edit 5/29/2023</a:t>
             </a:r>
           </a:p>
         </p:txBody>
@@ -18978,9 +18978,9 @@
             </a:lvl1pPr>
           </a:lstStyle>
           <a:p>
-            <a:fld id="{752E5ECD-CF6C-ED4B-91D5-FB69F3B61D87}" type="datetime1">
+            <a:fld id="{B642B153-426C-6D46-901B-229D3495309F}" type="datetime1">
               <a:rPr lang="en-US" smtClean="0"/>
-              <a:t>10/27/22</a:t>
+              <a:t>5/29/23</a:t>
             </a:fld>
             <a:endParaRPr lang="en-US"/>
           </a:p>
@@ -19025,7 +19025,7 @@
           <a:p>
             <a:r>
               <a:rPr lang="en-US"/>
-              <a:t>© 2022, FLL Tutorials</a:t>
+              <a:t>© 2023, FLLTutorials.com. Last Edit 5/29/2023</a:t>
             </a:r>
           </a:p>
         </p:txBody>
@@ -19432,7 +19432,7 @@
             <a:fld id="{B61BEF0D-F0BB-DE4B-95CE-6DB70DBA9567}" type="datetimeFigureOut">
               <a:rPr lang="en-US" smtClean="0"/>
               <a:pPr/>
-              <a:t>10/27/22</a:t>
+              <a:t>5/29/23</a:t>
             </a:fld>
             <a:endParaRPr lang="en-US" dirty="0"/>
           </a:p>
@@ -19748,9 +19748,9 @@
           <a:bodyPr/>
           <a:lstStyle/>
           <a:p>
-            <a:fld id="{228F026A-A200-764A-BECE-29402A865837}" type="datetime1">
+            <a:fld id="{4339CAA1-71C8-224D-BA4A-BA9A4D9D9DC0}" type="datetime1">
               <a:rPr lang="en-US" smtClean="0"/>
-              <a:t>10/27/22</a:t>
+              <a:t>5/29/23</a:t>
             </a:fld>
             <a:endParaRPr lang="en-US"/>
           </a:p>
@@ -19773,7 +19773,7 @@
           <a:p>
             <a:r>
               <a:rPr lang="en-US"/>
-              <a:t>© 2022, FLL Tutorials</a:t>
+              <a:t>© 2023, FLLTutorials.com. Last Edit 5/29/2023</a:t>
             </a:r>
           </a:p>
         </p:txBody>
@@ -20034,9 +20034,9 @@
           <a:bodyPr/>
           <a:lstStyle/>
           <a:p>
-            <a:fld id="{AE8901A1-762F-4748-8AAB-C846111D9F3B}" type="datetime1">
+            <a:fld id="{1E1FE804-FE47-5649-8C24-A215F40EEA8A}" type="datetime1">
               <a:rPr lang="en-US" smtClean="0"/>
-              <a:t>10/27/22</a:t>
+              <a:t>5/29/23</a:t>
             </a:fld>
             <a:endParaRPr lang="en-US"/>
           </a:p>
@@ -20067,7 +20067,7 @@
           <a:p>
             <a:r>
               <a:rPr lang="en-US"/>
-              <a:t>© 2022, FLL Tutorials</a:t>
+              <a:t>© 2023, FLLTutorials.com. Last Edit 5/29/2023</a:t>
             </a:r>
           </a:p>
         </p:txBody>
@@ -20482,9 +20482,9 @@
           <a:bodyPr/>
           <a:lstStyle/>
           <a:p>
-            <a:fld id="{0DA379B2-B8DA-5D4E-8112-D2878939514E}" type="datetime1">
+            <a:fld id="{F33411DB-0DAA-F14D-B548-E4B5ABCC1F86}" type="datetime1">
               <a:rPr lang="en-US" smtClean="0"/>
-              <a:t>10/27/22</a:t>
+              <a:t>5/29/23</a:t>
             </a:fld>
             <a:endParaRPr lang="en-US"/>
           </a:p>
@@ -20515,7 +20515,7 @@
           <a:p>
             <a:r>
               <a:rPr lang="en-US"/>
-              <a:t>© 2022, FLL Tutorials</a:t>
+              <a:t>© 2023, FLLTutorials.com. Last Edit 5/29/2023</a:t>
             </a:r>
           </a:p>
         </p:txBody>
@@ -20666,9 +20666,9 @@
           <a:bodyPr/>
           <a:lstStyle/>
           <a:p>
-            <a:fld id="{560EF4C1-6C9E-DA4D-B2EA-DA1F26F9CCAB}" type="datetime1">
+            <a:fld id="{56F008AE-F10C-C844-B2EB-979231759283}" type="datetime1">
               <a:rPr lang="en-US" smtClean="0"/>
-              <a:t>10/27/22</a:t>
+              <a:t>5/29/23</a:t>
             </a:fld>
             <a:endParaRPr lang="en-US"/>
           </a:p>
@@ -20699,7 +20699,7 @@
           <a:p>
             <a:r>
               <a:rPr lang="en-US"/>
-              <a:t>© 2022, FLL Tutorials</a:t>
+              <a:t>© 2023, FLLTutorials.com. Last Edit 5/29/2023</a:t>
             </a:r>
           </a:p>
         </p:txBody>
@@ -20788,9 +20788,9 @@
           <a:bodyPr/>
           <a:lstStyle/>
           <a:p>
-            <a:fld id="{819F8AD6-D916-B440-A346-97CB83F8E2D7}" type="datetime1">
+            <a:fld id="{106F995D-A305-FD43-97A5-9590396322A5}" type="datetime1">
               <a:rPr lang="en-US" smtClean="0"/>
-              <a:t>10/27/22</a:t>
+              <a:t>5/29/23</a:t>
             </a:fld>
             <a:endParaRPr lang="en-US"/>
           </a:p>
@@ -20821,7 +20821,7 @@
           <a:p>
             <a:r>
               <a:rPr lang="en-US"/>
-              <a:t>© 2022, FLL Tutorials</a:t>
+              <a:t>© 2023, FLLTutorials.com. Last Edit 5/29/2023</a:t>
             </a:r>
           </a:p>
         </p:txBody>
@@ -21193,9 +21193,9 @@
             </a:lvl1pPr>
           </a:lstStyle>
           <a:p>
-            <a:fld id="{98B1F7E1-CFD6-7E4C-8CBB-A24905561C48}" type="datetime1">
+            <a:fld id="{E51ED0C0-5708-004D-BAC7-65948138694A}" type="datetime1">
               <a:rPr lang="en-US" smtClean="0"/>
-              <a:t>10/27/22</a:t>
+              <a:t>5/29/23</a:t>
             </a:fld>
             <a:endParaRPr lang="en-US"/>
           </a:p>
@@ -21237,7 +21237,7 @@
           <a:p>
             <a:r>
               <a:rPr lang="en-US"/>
-              <a:t>© 2022, FLL Tutorials</a:t>
+              <a:t>© 2023, FLLTutorials.com. Last Edit 5/29/2023</a:t>
             </a:r>
           </a:p>
         </p:txBody>
@@ -21509,9 +21509,9 @@
           <a:bodyPr/>
           <a:lstStyle/>
           <a:p>
-            <a:fld id="{43F44D6C-D635-9B45-B6F8-A87C2DA25461}" type="datetime1">
+            <a:fld id="{E7539686-B968-354E-BB3B-C616CBA0E6D1}" type="datetime1">
               <a:rPr lang="en-US" smtClean="0"/>
-              <a:t>10/27/22</a:t>
+              <a:t>5/29/23</a:t>
             </a:fld>
             <a:endParaRPr lang="en-US"/>
           </a:p>
@@ -21542,7 +21542,7 @@
           <a:p>
             <a:r>
               <a:rPr lang="en-US"/>
-              <a:t>© 2022, FLL Tutorials</a:t>
+              <a:t>© 2023, FLLTutorials.com. Last Edit 5/29/2023</a:t>
             </a:r>
           </a:p>
         </p:txBody>
@@ -21761,9 +21761,9 @@
           <a:bodyPr/>
           <a:lstStyle/>
           <a:p>
-            <a:fld id="{12B3D8F8-B467-7847-98BC-768118BCD7C7}" type="datetime1">
+            <a:fld id="{E8A4A3A0-2AAC-7446-86F6-B785CBF422CA}" type="datetime1">
               <a:rPr lang="en-US" smtClean="0"/>
-              <a:t>10/27/22</a:t>
+              <a:t>5/29/23</a:t>
             </a:fld>
             <a:endParaRPr lang="en-US"/>
           </a:p>
@@ -21794,7 +21794,7 @@
           <a:p>
             <a:r>
               <a:rPr lang="en-US"/>
-              <a:t>© 2022, FLL Tutorials</a:t>
+              <a:t>© 2023, FLLTutorials.com. Last Edit 5/29/2023</a:t>
             </a:r>
           </a:p>
         </p:txBody>
@@ -22018,9 +22018,9 @@
             </a:lvl1pPr>
           </a:lstStyle>
           <a:p>
-            <a:fld id="{646344D9-2278-944B-ACB7-8014532AEE9B}" type="datetime1">
+            <a:fld id="{6BB30096-FCF7-CF4C-84F9-3C3FADC8054F}" type="datetime1">
               <a:rPr lang="en-US" smtClean="0"/>
-              <a:t>10/27/22</a:t>
+              <a:t>5/29/23</a:t>
             </a:fld>
             <a:endParaRPr lang="en-US"/>
           </a:p>
@@ -22051,7 +22051,7 @@
           <a:p>
             <a:r>
               <a:rPr lang="en-US"/>
-              <a:t>© 2022, FLL Tutorials</a:t>
+              <a:t>© 2023, FLLTutorials.com. Last Edit 5/29/2023</a:t>
             </a:r>
           </a:p>
         </p:txBody>
@@ -22295,9 +22295,9 @@
           <a:bodyPr/>
           <a:lstStyle/>
           <a:p>
-            <a:fld id="{163F8479-52D9-9F44-8CF2-D2A010AC09F8}" type="datetime1">
+            <a:fld id="{FA1D98E0-C016-7843-B551-05706EF2075D}" type="datetime1">
               <a:rPr lang="en-US" smtClean="0"/>
-              <a:t>10/27/22</a:t>
+              <a:t>5/29/23</a:t>
             </a:fld>
             <a:endParaRPr lang="en-US"/>
           </a:p>
@@ -22320,7 +22320,7 @@
           <a:p>
             <a:r>
               <a:rPr lang="en-US"/>
-              <a:t>© 2022, FLL Tutorials</a:t>
+              <a:t>© 2023, FLLTutorials.com. Last Edit 5/29/2023</a:t>
             </a:r>
           </a:p>
         </p:txBody>
@@ -22595,9 +22595,9 @@
           <a:bodyPr/>
           <a:lstStyle/>
           <a:p>
-            <a:fld id="{132A31F1-0CC6-0E48-9D31-E5BAF0E530B6}" type="datetime1">
+            <a:fld id="{70E7E868-CCD9-824C-B544-664C7722522E}" type="datetime1">
               <a:rPr lang="en-US" smtClean="0"/>
-              <a:t>10/27/22</a:t>
+              <a:t>5/29/23</a:t>
             </a:fld>
             <a:endParaRPr lang="en-US"/>
           </a:p>
@@ -22620,7 +22620,7 @@
           <a:p>
             <a:r>
               <a:rPr lang="en-US"/>
-              <a:t>© 2022, FLL Tutorials</a:t>
+              <a:t>© 2023, FLLTutorials.com. Last Edit 5/29/2023</a:t>
             </a:r>
           </a:p>
         </p:txBody>
@@ -22896,9 +22896,9 @@
             </a:lvl1pPr>
           </a:lstStyle>
           <a:p>
-            <a:fld id="{9A97C420-FFCA-2A4D-9BD5-BB259ADFD901}" type="datetime1">
+            <a:fld id="{085425B7-1A56-D845-BC68-C93E1F181463}" type="datetime1">
               <a:rPr lang="en-US" smtClean="0"/>
-              <a:t>10/27/22</a:t>
+              <a:t>5/29/23</a:t>
             </a:fld>
             <a:endParaRPr lang="en-US"/>
           </a:p>
@@ -22937,7 +22937,7 @@
           <a:p>
             <a:r>
               <a:rPr lang="en-US"/>
-              <a:t>© 2022, FLL Tutorials</a:t>
+              <a:t>© 2023, FLLTutorials.com. Last Edit 5/29/2023</a:t>
             </a:r>
           </a:p>
         </p:txBody>
@@ -23848,9 +23848,9 @@
             </a:lvl1pPr>
           </a:lstStyle>
           <a:p>
-            <a:fld id="{DF97A201-7BB0-7F40-B26B-1DB6CE95BC5F}" type="datetime1">
+            <a:fld id="{A35BFD05-2678-8141-8523-0741D1CE8263}" type="datetime1">
               <a:rPr lang="en-US" smtClean="0"/>
-              <a:t>10/27/22</a:t>
+              <a:t>5/29/23</a:t>
             </a:fld>
             <a:endParaRPr lang="en-US"/>
           </a:p>
@@ -23889,7 +23889,7 @@
           <a:p>
             <a:r>
               <a:rPr lang="en-US"/>
-              <a:t>© 2022, FLL Tutorials</a:t>
+              <a:t>© 2023, FLLTutorials.com. Last Edit 5/29/2023</a:t>
             </a:r>
           </a:p>
         </p:txBody>
@@ -24906,9 +24906,9 @@
             </a:lvl1pPr>
           </a:lstStyle>
           <a:p>
-            <a:fld id="{64B75294-DB2A-1944-B302-6127C2895066}" type="datetime1">
+            <a:fld id="{F352FAD0-8FBA-1541-970A-0408D5EFEEDC}" type="datetime1">
               <a:rPr lang="en-US" smtClean="0"/>
-              <a:t>10/27/22</a:t>
+              <a:t>5/29/23</a:t>
             </a:fld>
             <a:endParaRPr lang="en-US"/>
           </a:p>
@@ -24949,7 +24949,7 @@
           <a:p>
             <a:r>
               <a:rPr lang="en-US"/>
-              <a:t>© 2022, FLL Tutorials</a:t>
+              <a:t>© 2023, FLLTutorials.com. Last Edit 5/29/2023</a:t>
             </a:r>
           </a:p>
         </p:txBody>
@@ -25448,9 +25448,9 @@
             </a:lvl1pPr>
           </a:lstStyle>
           <a:p>
-            <a:fld id="{EDA1C8F3-0797-C843-B498-A8CC932785A5}" type="datetime1">
+            <a:fld id="{21B2468D-131C-A84F-82E0-48BCA2677DDE}" type="datetime1">
               <a:rPr lang="en-US" smtClean="0"/>
-              <a:t>10/27/22</a:t>
+              <a:t>5/29/23</a:t>
             </a:fld>
             <a:endParaRPr lang="en-US"/>
           </a:p>
@@ -25489,7 +25489,7 @@
           <a:p>
             <a:r>
               <a:rPr lang="en-US"/>
-              <a:t>© 2022, FLL Tutorials</a:t>
+              <a:t>© 2023, FLLTutorials.com. Last Edit 5/29/2023</a:t>
             </a:r>
           </a:p>
         </p:txBody>
@@ -26817,9 +26817,9 @@
             </a:lvl1pPr>
           </a:lstStyle>
           <a:p>
-            <a:fld id="{D2C381C8-3BFC-6741-960E-6A4819638227}" type="datetime1">
+            <a:fld id="{F0C94EC3-0641-424A-8480-B98BBC241A51}" type="datetime1">
               <a:rPr lang="en-US" smtClean="0"/>
-              <a:t>10/27/22</a:t>
+              <a:t>5/29/23</a:t>
             </a:fld>
             <a:endParaRPr lang="en-US"/>
           </a:p>
@@ -26858,7 +26858,7 @@
           <a:p>
             <a:r>
               <a:rPr lang="en-US"/>
-              <a:t>© 2022, FLL Tutorials</a:t>
+              <a:t>© 2023, FLLTutorials.com. Last Edit 5/29/2023</a:t>
             </a:r>
           </a:p>
         </p:txBody>
@@ -27895,9 +27895,9 @@
             </a:lvl1pPr>
           </a:lstStyle>
           <a:p>
-            <a:fld id="{1FFC1DAD-0C36-9F48-9FA3-0B88F003C0BA}" type="datetime1">
+            <a:fld id="{2656E9B5-5684-894F-A821-56FE5EB26BD3}" type="datetime1">
               <a:rPr lang="en-US" smtClean="0"/>
-              <a:t>10/27/22</a:t>
+              <a:t>5/29/23</a:t>
             </a:fld>
             <a:endParaRPr lang="en-US"/>
           </a:p>
@@ -27938,7 +27938,7 @@
           <a:p>
             <a:r>
               <a:rPr lang="en-US"/>
-              <a:t>© 2022, FLL Tutorials</a:t>
+              <a:t>© 2023, FLLTutorials.com. Last Edit 5/29/2023</a:t>
             </a:r>
           </a:p>
         </p:txBody>
@@ -28557,9 +28557,9 @@
             </a:lvl1pPr>
           </a:lstStyle>
           <a:p>
-            <a:fld id="{F9C154EE-B5AA-6241-ADE5-EBA47C5CF145}" type="datetime1">
+            <a:fld id="{678E301F-2687-3B46-8E15-13D6A5558BD3}" type="datetime1">
               <a:rPr lang="en-US" smtClean="0"/>
-              <a:t>10/27/22</a:t>
+              <a:t>5/29/23</a:t>
             </a:fld>
             <a:endParaRPr lang="en-US"/>
           </a:p>
@@ -28607,7 +28607,7 @@
           <a:p>
             <a:r>
               <a:rPr lang="en-US"/>
-              <a:t>© 2022, FLL Tutorials</a:t>
+              <a:t>© 2023, FLLTutorials.com. Last Edit 5/29/2023</a:t>
             </a:r>
           </a:p>
         </p:txBody>
@@ -29252,7 +29252,7 @@
           <a:p>
             <a:r>
               <a:rPr lang="en-US"/>
-              <a:t>© 2022, FLL Tutorials</a:t>
+              <a:t>© 2023, FLLTutorials.com. Last Edit 5/29/2023</a:t>
             </a:r>
             <a:endParaRPr lang="en-US" dirty="0"/>
           </a:p>
@@ -29323,12 +29323,12 @@
         <p:spPr>
           <a:xfrm>
             <a:off x="457200" y="1524318"/>
-            <a:ext cx="3160643" cy="4373563"/>
+            <a:ext cx="8259288" cy="4373563"/>
           </a:xfrm>
         </p:spPr>
         <p:txBody>
           <a:bodyPr>
-            <a:normAutofit lnSpcReduction="10000"/>
+            <a:normAutofit/>
           </a:bodyPr>
           <a:lstStyle/>
           <a:p>
@@ -29420,48 +29420,12 @@
           <a:p>
             <a:r>
               <a:rPr lang="en-US"/>
-              <a:t>© 2022, FLL Tutorials</a:t>
+              <a:t>© 2023, FLLTutorials.com. Last Edit 5/29/2023</a:t>
             </a:r>
             <a:endParaRPr lang="en-US" dirty="0"/>
           </a:p>
         </p:txBody>
       </p:sp>
-      <p:pic>
-        <p:nvPicPr>
-          <p:cNvPr id="5" name="Picture 4" descr="A picture containing map&#10;&#10;Description automatically generated">
-            <a:extLst>
-              <a:ext uri="{FF2B5EF4-FFF2-40B4-BE49-F238E27FC236}">
-                <a16:creationId xmlns:a16="http://schemas.microsoft.com/office/drawing/2014/main" id="{30DCAD8E-21EC-BAD8-8624-9B7E4D9F2D27}"/>
-              </a:ext>
-            </a:extLst>
-          </p:cNvPr>
-          <p:cNvPicPr>
-            <a:picLocks noChangeAspect="1"/>
-          </p:cNvPicPr>
-          <p:nvPr/>
-        </p:nvPicPr>
-        <p:blipFill>
-          <a:blip r:embed="rId2">
-            <a:extLst>
-              <a:ext uri="{28A0092B-C50C-407E-A947-70E740481C1C}">
-                <a14:useLocalDpi xmlns:a14="http://schemas.microsoft.com/office/drawing/2010/main" val="0"/>
-              </a:ext>
-            </a:extLst>
-          </a:blip>
-          <a:stretch>
-            <a:fillRect/>
-          </a:stretch>
-        </p:blipFill>
-        <p:spPr>
-          <a:xfrm>
-            <a:off x="3427712" y="2392695"/>
-            <a:ext cx="5449094" cy="2636807"/>
-          </a:xfrm>
-          <a:prstGeom prst="rect">
-            <a:avLst/>
-          </a:prstGeom>
-        </p:spPr>
-      </p:pic>
     </p:spTree>
     <p:extLst>
       <p:ext uri="{BB962C8B-B14F-4D97-AF65-F5344CB8AC3E}">
@@ -29545,7 +29509,7 @@
           <a:p>
             <a:r>
               <a:rPr lang="en-US" dirty="0"/>
-              <a:t>DISCUSSION</a:t>
+              <a:t>DISCUSSION using a past challenge</a:t>
             </a:r>
           </a:p>
         </p:txBody>
@@ -29610,7 +29574,7 @@
           <a:p>
             <a:r>
               <a:rPr lang="en-US"/>
-              <a:t>© 2022, FLL Tutorials</a:t>
+              <a:t>© 2023, FLLTutorials.com. Last Edit 5/29/2023</a:t>
             </a:r>
           </a:p>
         </p:txBody>
@@ -29817,7 +29781,7 @@
           <a:p>
             <a:r>
               <a:rPr lang="en-US"/>
-              <a:t>© 2022, FLL Tutorials</a:t>
+              <a:t>© 2023, FLLTutorials.com. Last Edit 5/29/2023</a:t>
             </a:r>
           </a:p>
         </p:txBody>
@@ -30233,7 +30197,7 @@
           <a:p>
             <a:r>
               <a:rPr lang="en-US"/>
-              <a:t>© 2022, FLL Tutorials</a:t>
+              <a:t>© 2023, FLLTutorials.com. Last Edit 5/29/2023</a:t>
             </a:r>
           </a:p>
         </p:txBody>
@@ -30713,11 +30677,47 @@
           <a:p>
             <a:r>
               <a:rPr lang="en-US"/>
-              <a:t>© 2022, FLL Tutorials</a:t>
-            </a:r>
-          </a:p>
-        </p:txBody>
-      </p:sp>
+              <a:t>© 2023, FLLTutorials.com. Last Edit 5/29/2023</a:t>
+            </a:r>
+          </a:p>
+        </p:txBody>
+      </p:sp>
+      <p:pic>
+        <p:nvPicPr>
+          <p:cNvPr id="5" name="Picture 4" descr="A close up of a board&#10;&#10;Description automatically generated with low confidence">
+            <a:extLst>
+              <a:ext uri="{FF2B5EF4-FFF2-40B4-BE49-F238E27FC236}">
+                <a16:creationId xmlns:a16="http://schemas.microsoft.com/office/drawing/2014/main" id="{1D76CE5C-2B48-2451-C18F-645768297210}"/>
+              </a:ext>
+            </a:extLst>
+          </p:cNvPr>
+          <p:cNvPicPr>
+            <a:picLocks noChangeAspect="1"/>
+          </p:cNvPicPr>
+          <p:nvPr/>
+        </p:nvPicPr>
+        <p:blipFill>
+          <a:blip r:embed="rId2">
+            <a:extLst>
+              <a:ext uri="{28A0092B-C50C-407E-A947-70E740481C1C}">
+                <a14:useLocalDpi xmlns:a14="http://schemas.microsoft.com/office/drawing/2010/main" val="0"/>
+              </a:ext>
+            </a:extLst>
+          </a:blip>
+          <a:stretch>
+            <a:fillRect/>
+          </a:stretch>
+        </p:blipFill>
+        <p:spPr>
+          <a:xfrm>
+            <a:off x="1429015" y="3075709"/>
+            <a:ext cx="6691494" cy="3094816"/>
+          </a:xfrm>
+          <a:prstGeom prst="rect">
+            <a:avLst/>
+          </a:prstGeom>
+        </p:spPr>
+      </p:pic>
     </p:spTree>
     <p:extLst>
       <p:ext uri="{BB962C8B-B14F-4D97-AF65-F5344CB8AC3E}">
@@ -30826,11 +30826,21 @@
             </a:r>
             <a:r>
               <a:rPr lang="en-US" sz="2800" dirty="0"/>
-              <a:t> and </a:t>
+              <a:t>, </a:t>
             </a:r>
             <a:r>
               <a:rPr lang="en-US" sz="2800" dirty="0">
                 <a:hlinkClick r:id="rId4"/>
+              </a:rPr>
+              <a:t>www.primelessons.org</a:t>
+            </a:r>
+            <a:r>
+              <a:rPr lang="en-US" sz="2800" dirty="0"/>
+              <a:t>, and </a:t>
+            </a:r>
+            <a:r>
+              <a:rPr lang="en-US" sz="2800" dirty="0">
+                <a:hlinkClick r:id="rId5"/>
               </a:rPr>
               <a:t>www.flltutorials.com</a:t>
             </a:r>
@@ -30862,7 +30872,7 @@
           <a:p>
             <a:r>
               <a:rPr lang="en-US"/>
-              <a:t>© 2022, FLL Tutorials</a:t>
+              <a:t>© 2023, FLLTutorials.com. Last Edit 5/29/2023</a:t>
             </a:r>
           </a:p>
         </p:txBody>
@@ -30892,7 +30902,7 @@
           <a:effectLst/>
           <a:extLst>
             <a:ext uri="{91240B29-F687-4f45-9708-019B960494DF}">
-              <a14:hiddenLine xmlns="" xmlns:a14="http://schemas.microsoft.com/office/drawing/2010/main" w="9525">
+              <a14:hiddenLine xmlns:a14="http://schemas.microsoft.com/office/drawing/2010/main" xmlns="" w="9525">
                 <a:solidFill>
                   <a:schemeClr val="tx1"/>
                 </a:solidFill>
@@ -30902,7 +30912,7 @@
               </a14:hiddenLine>
             </a:ext>
             <a:ext uri="{AF507438-7753-43e0-B8FC-AC1667EBCBE1}">
-              <a14:hiddenEffects xmlns="" xmlns:a14="http://schemas.microsoft.com/office/drawing/2010/main">
+              <a14:hiddenEffects xmlns:a14="http://schemas.microsoft.com/office/drawing/2010/main" xmlns="">
                 <a:effectLst>
                   <a:outerShdw dist="35921" dir="2700000" algn="ctr" rotWithShape="0">
                     <a:schemeClr val="bg2"/>
@@ -31111,7 +31121,7 @@
                 </a:solidFill>
                 <a:effectLst/>
                 <a:latin typeface="Helvetica Neue"/>
-                <a:hlinkClick r:id="rId5"/>
+                <a:hlinkClick r:id="rId6"/>
               </a:rPr>
               <a:t>Creative Commons Attribution-</a:t>
             </a:r>
@@ -31125,7 +31135,7 @@
                 </a:solidFill>
                 <a:effectLst/>
                 <a:latin typeface="Helvetica Neue"/>
-                <a:hlinkClick r:id="rId5"/>
+                <a:hlinkClick r:id="rId6"/>
               </a:rPr>
               <a:t>NonCommercial</a:t>
             </a:r>
@@ -31139,7 +31149,7 @@
                 </a:solidFill>
                 <a:effectLst/>
                 <a:latin typeface="Helvetica Neue"/>
-                <a:hlinkClick r:id="rId5"/>
+                <a:hlinkClick r:id="rId6"/>
               </a:rPr>
               <a:t>-</a:t>
             </a:r>
@@ -31153,7 +31163,7 @@
                 </a:solidFill>
                 <a:effectLst/>
                 <a:latin typeface="Helvetica Neue"/>
-                <a:hlinkClick r:id="rId5"/>
+                <a:hlinkClick r:id="rId6"/>
               </a:rPr>
               <a:t>ShareAlike</a:t>
             </a:r>
@@ -31167,7 +31177,7 @@
                 </a:solidFill>
                 <a:effectLst/>
                 <a:latin typeface="Helvetica Neue"/>
-                <a:hlinkClick r:id="rId5"/>
+                <a:hlinkClick r:id="rId6"/>
               </a:rPr>
               <a:t> 4.0 International License</a:t>
             </a:r>
@@ -31212,7 +31222,7 @@
       <p:pic>
         <p:nvPicPr>
           <p:cNvPr id="7" name="Picture 2" descr="Creative Commons License">
-            <a:hlinkClick r:id="rId5"/>
+            <a:hlinkClick r:id="rId6"/>
             <a:extLst>
               <a:ext uri="{FF2B5EF4-FFF2-40B4-BE49-F238E27FC236}">
                 <a16:creationId xmlns:a16="http://schemas.microsoft.com/office/drawing/2014/main" id="{71968487-B24C-AE47-A58F-96C46B6E4B4D}"/>
@@ -31225,7 +31235,7 @@
           <p:nvPr/>
         </p:nvPicPr>
         <p:blipFill>
-          <a:blip r:embed="rId6">
+          <a:blip r:embed="rId7">
             <a:extLst>
               <a:ext uri="{28A0092B-C50C-407E-A947-70E740481C1C}">
                 <a14:useLocalDpi xmlns:a14="http://schemas.microsoft.com/office/drawing/2010/main"/>
@@ -31248,7 +31258,7 @@
           <a:noFill/>
           <a:extLst>
             <a:ext uri="{909E8E84-426E-40dd-AFC4-6F175D3DCCD1}">
-              <a14:hiddenFill xmlns="" xmlns:a14="http://schemas.microsoft.com/office/drawing/2010/main">
+              <a14:hiddenFill xmlns:a14="http://schemas.microsoft.com/office/drawing/2010/main" xmlns="">
                 <a:solidFill>
                   <a:srgbClr val="FFFFFF"/>
                 </a:solidFill>
